--- a/Proyecto POO.pptx
+++ b/Proyecto POO.pptx
@@ -7823,7 +7823,7 @@
           <a:p>
             <a:r>
               <a:rPr lang="es-CO" dirty="0"/>
-              <a:t>Conclusiones</a:t>
+              <a:t>Conclusiones y Estado actual</a:t>
             </a:r>
           </a:p>
         </p:txBody>
@@ -7838,31 +7838,58 @@
             <p:ph type="body" idx="1"/>
           </p:nvPr>
         </p:nvSpPr>
-        <p:spPr/>
+        <p:spPr>
+          <a:xfrm>
+            <a:off x="311700" y="1152475"/>
+            <a:ext cx="7655433" cy="3416400"/>
+          </a:xfrm>
+        </p:spPr>
         <p:txBody>
           <a:bodyPr/>
           <a:lstStyle/>
           <a:p>
+            <a:pPr algn="just"/>
+            <a:endParaRPr lang="es-CO" dirty="0"/>
+          </a:p>
+          <a:p>
+            <a:pPr algn="just"/>
             <a:r>
               <a:rPr lang="es-CO" dirty="0"/>
-              <a:t>Ubicar tabla de Excel en el sketch</a:t>
-            </a:r>
-          </a:p>
-          <a:p>
+              <a:t>Proyecto en el cual se puede continuar trabajando, de manera que se logre integrar convocatorias de pregrado y posgrado.</a:t>
+            </a:r>
+          </a:p>
+          <a:p>
+            <a:pPr algn="just"/>
+            <a:endParaRPr lang="es-CO" dirty="0"/>
+          </a:p>
+          <a:p>
+            <a:pPr algn="just"/>
             <a:r>
               <a:rPr lang="es-CO" dirty="0"/>
-              <a:t>Obtener </a:t>
-            </a:r>
-            <a:r>
-              <a:rPr lang="es-CO" dirty="0" err="1"/>
-              <a:t>string</a:t>
-            </a:r>
+              <a:t>Continuar trabajando para lograr que el programa filtre la información de manera correcta.</a:t>
+            </a:r>
+          </a:p>
+          <a:p>
+            <a:pPr algn="just"/>
+            <a:endParaRPr lang="es-CO" dirty="0"/>
+          </a:p>
+          <a:p>
+            <a:pPr algn="just"/>
             <a:r>
               <a:rPr lang="es-CO" dirty="0"/>
-              <a:t> del objeto para comparar</a:t>
-            </a:r>
-          </a:p>
-          <a:p>
+              <a:t>Actualmente, muestra las convocatorias de pregrado de manera general, pero aún no conseguimos filtrar las que se ofrecen para un programa curricular específico.</a:t>
+            </a:r>
+          </a:p>
+          <a:p>
+            <a:pPr algn="just"/>
+            <a:endParaRPr lang="es-CO" dirty="0"/>
+          </a:p>
+          <a:p>
+            <a:pPr algn="just"/>
+            <a:endParaRPr lang="es-CO" dirty="0"/>
+          </a:p>
+          <a:p>
+            <a:pPr algn="just"/>
             <a:endParaRPr lang="es-CO" dirty="0"/>
           </a:p>
         </p:txBody>
